--- a/figures/speed_triangles_1.pptx
+++ b/figures/speed_triangles_1.pptx
@@ -259,7 +259,7 @@
           <a:p>
             <a:fld id="{A6E2C317-66DB-4326-8236-4682C01F4A41}" type="datetimeFigureOut">
               <a:rPr lang="en-US" smtClean="0"/>
-              <a:t>10-Mar-19</a:t>
+              <a:t>3/17/2019</a:t>
             </a:fld>
             <a:endParaRPr lang="en-US"/>
           </a:p>
@@ -457,7 +457,7 @@
           <a:p>
             <a:fld id="{A6E2C317-66DB-4326-8236-4682C01F4A41}" type="datetimeFigureOut">
               <a:rPr lang="en-US" smtClean="0"/>
-              <a:t>10-Mar-19</a:t>
+              <a:t>3/17/2019</a:t>
             </a:fld>
             <a:endParaRPr lang="en-US"/>
           </a:p>
@@ -665,7 +665,7 @@
           <a:p>
             <a:fld id="{A6E2C317-66DB-4326-8236-4682C01F4A41}" type="datetimeFigureOut">
               <a:rPr lang="en-US" smtClean="0"/>
-              <a:t>10-Mar-19</a:t>
+              <a:t>3/17/2019</a:t>
             </a:fld>
             <a:endParaRPr lang="en-US"/>
           </a:p>
@@ -863,7 +863,7 @@
           <a:p>
             <a:fld id="{A6E2C317-66DB-4326-8236-4682C01F4A41}" type="datetimeFigureOut">
               <a:rPr lang="en-US" smtClean="0"/>
-              <a:t>10-Mar-19</a:t>
+              <a:t>3/17/2019</a:t>
             </a:fld>
             <a:endParaRPr lang="en-US"/>
           </a:p>
@@ -1138,7 +1138,7 @@
           <a:p>
             <a:fld id="{A6E2C317-66DB-4326-8236-4682C01F4A41}" type="datetimeFigureOut">
               <a:rPr lang="en-US" smtClean="0"/>
-              <a:t>10-Mar-19</a:t>
+              <a:t>3/17/2019</a:t>
             </a:fld>
             <a:endParaRPr lang="en-US"/>
           </a:p>
@@ -1403,7 +1403,7 @@
           <a:p>
             <a:fld id="{A6E2C317-66DB-4326-8236-4682C01F4A41}" type="datetimeFigureOut">
               <a:rPr lang="en-US" smtClean="0"/>
-              <a:t>10-Mar-19</a:t>
+              <a:t>3/17/2019</a:t>
             </a:fld>
             <a:endParaRPr lang="en-US"/>
           </a:p>
@@ -1815,7 +1815,7 @@
           <a:p>
             <a:fld id="{A6E2C317-66DB-4326-8236-4682C01F4A41}" type="datetimeFigureOut">
               <a:rPr lang="en-US" smtClean="0"/>
-              <a:t>10-Mar-19</a:t>
+              <a:t>3/17/2019</a:t>
             </a:fld>
             <a:endParaRPr lang="en-US"/>
           </a:p>
@@ -1956,7 +1956,7 @@
           <a:p>
             <a:fld id="{A6E2C317-66DB-4326-8236-4682C01F4A41}" type="datetimeFigureOut">
               <a:rPr lang="en-US" smtClean="0"/>
-              <a:t>10-Mar-19</a:t>
+              <a:t>3/17/2019</a:t>
             </a:fld>
             <a:endParaRPr lang="en-US"/>
           </a:p>
@@ -2069,7 +2069,7 @@
           <a:p>
             <a:fld id="{A6E2C317-66DB-4326-8236-4682C01F4A41}" type="datetimeFigureOut">
               <a:rPr lang="en-US" smtClean="0"/>
-              <a:t>10-Mar-19</a:t>
+              <a:t>3/17/2019</a:t>
             </a:fld>
             <a:endParaRPr lang="en-US"/>
           </a:p>
@@ -2380,7 +2380,7 @@
           <a:p>
             <a:fld id="{A6E2C317-66DB-4326-8236-4682C01F4A41}" type="datetimeFigureOut">
               <a:rPr lang="en-US" smtClean="0"/>
-              <a:t>10-Mar-19</a:t>
+              <a:t>3/17/2019</a:t>
             </a:fld>
             <a:endParaRPr lang="en-US"/>
           </a:p>
@@ -2668,7 +2668,7 @@
           <a:p>
             <a:fld id="{A6E2C317-66DB-4326-8236-4682C01F4A41}" type="datetimeFigureOut">
               <a:rPr lang="en-US" smtClean="0"/>
-              <a:t>10-Mar-19</a:t>
+              <a:t>3/17/2019</a:t>
             </a:fld>
             <a:endParaRPr lang="en-US"/>
           </a:p>
@@ -2909,7 +2909,7 @@
           <a:p>
             <a:fld id="{A6E2C317-66DB-4326-8236-4682C01F4A41}" type="datetimeFigureOut">
               <a:rPr lang="en-US" smtClean="0"/>
-              <a:t>10-Mar-19</a:t>
+              <a:t>3/17/2019</a:t>
             </a:fld>
             <a:endParaRPr lang="en-US"/>
           </a:p>
@@ -3724,6 +3724,241 @@
           </a:fontRef>
         </p:style>
       </p:cxnSp>
+      <p:cxnSp>
+        <p:nvCxnSpPr>
+          <p:cNvPr id="6" name="Straight Connector 5">
+            <a:extLst>
+              <a:ext uri="{FF2B5EF4-FFF2-40B4-BE49-F238E27FC236}">
+                <a16:creationId xmlns:a16="http://schemas.microsoft.com/office/drawing/2014/main" id="{D0D3BE4A-3399-41B8-9121-1AA0D8D9520A}"/>
+              </a:ext>
+            </a:extLst>
+          </p:cNvPr>
+          <p:cNvCxnSpPr>
+            <a:cxnSpLocks/>
+          </p:cNvCxnSpPr>
+          <p:nvPr/>
+        </p:nvCxnSpPr>
+        <p:spPr>
+          <a:xfrm>
+            <a:off x="5448988" y="2916680"/>
+            <a:ext cx="0" cy="2935480"/>
+          </a:xfrm>
+          <a:prstGeom prst="line">
+            <a:avLst/>
+          </a:prstGeom>
+          <a:ln w="6350" cap="flat" cmpd="sng" algn="ctr">
+            <a:solidFill>
+              <a:schemeClr val="dk1"/>
+            </a:solidFill>
+            <a:prstDash val="dash"/>
+            <a:round/>
+            <a:headEnd type="none" w="med" len="med"/>
+            <a:tailEnd type="none" w="med" len="med"/>
+          </a:ln>
+        </p:spPr>
+        <p:style>
+          <a:lnRef idx="0">
+            <a:scrgbClr r="0" g="0" b="0"/>
+          </a:lnRef>
+          <a:fillRef idx="0">
+            <a:scrgbClr r="0" g="0" b="0"/>
+          </a:fillRef>
+          <a:effectRef idx="0">
+            <a:scrgbClr r="0" g="0" b="0"/>
+          </a:effectRef>
+          <a:fontRef idx="minor">
+            <a:schemeClr val="tx1"/>
+          </a:fontRef>
+        </p:style>
+      </p:cxnSp>
+      <p:cxnSp>
+        <p:nvCxnSpPr>
+          <p:cNvPr id="26" name="Straight Connector 25">
+            <a:extLst>
+              <a:ext uri="{FF2B5EF4-FFF2-40B4-BE49-F238E27FC236}">
+                <a16:creationId xmlns:a16="http://schemas.microsoft.com/office/drawing/2014/main" id="{CB781BE3-1B00-4B27-B44D-339799F6255A}"/>
+              </a:ext>
+            </a:extLst>
+          </p:cNvPr>
+          <p:cNvCxnSpPr>
+            <a:cxnSpLocks/>
+          </p:cNvCxnSpPr>
+          <p:nvPr/>
+        </p:nvCxnSpPr>
+        <p:spPr>
+          <a:xfrm>
+            <a:off x="10125336" y="792480"/>
+            <a:ext cx="0" cy="2844127"/>
+          </a:xfrm>
+          <a:prstGeom prst="line">
+            <a:avLst/>
+          </a:prstGeom>
+          <a:ln w="6350" cap="flat" cmpd="sng" algn="ctr">
+            <a:solidFill>
+              <a:schemeClr val="dk1"/>
+            </a:solidFill>
+            <a:prstDash val="dash"/>
+            <a:round/>
+            <a:headEnd type="none" w="med" len="med"/>
+            <a:tailEnd type="none" w="med" len="med"/>
+          </a:ln>
+        </p:spPr>
+        <p:style>
+          <a:lnRef idx="0">
+            <a:scrgbClr r="0" g="0" b="0"/>
+          </a:lnRef>
+          <a:fillRef idx="0">
+            <a:scrgbClr r="0" g="0" b="0"/>
+          </a:fillRef>
+          <a:effectRef idx="0">
+            <a:scrgbClr r="0" g="0" b="0"/>
+          </a:effectRef>
+          <a:fontRef idx="minor">
+            <a:schemeClr val="tx1"/>
+          </a:fontRef>
+        </p:style>
+      </p:cxnSp>
+      <p:cxnSp>
+        <p:nvCxnSpPr>
+          <p:cNvPr id="35" name="Straight Connector 34">
+            <a:extLst>
+              <a:ext uri="{FF2B5EF4-FFF2-40B4-BE49-F238E27FC236}">
+                <a16:creationId xmlns:a16="http://schemas.microsoft.com/office/drawing/2014/main" id="{62A1D2D2-4A65-4362-B0CC-2B3267FD23A6}"/>
+              </a:ext>
+            </a:extLst>
+          </p:cNvPr>
+          <p:cNvCxnSpPr>
+            <a:cxnSpLocks/>
+          </p:cNvCxnSpPr>
+          <p:nvPr/>
+        </p:nvCxnSpPr>
+        <p:spPr>
+          <a:xfrm>
+            <a:off x="6522192" y="2916680"/>
+            <a:ext cx="0" cy="2935480"/>
+          </a:xfrm>
+          <a:prstGeom prst="line">
+            <a:avLst/>
+          </a:prstGeom>
+          <a:ln w="6350" cap="flat" cmpd="sng" algn="ctr">
+            <a:solidFill>
+              <a:schemeClr val="dk1"/>
+            </a:solidFill>
+            <a:prstDash val="dash"/>
+            <a:round/>
+            <a:headEnd type="none" w="med" len="med"/>
+            <a:tailEnd type="none" w="med" len="med"/>
+          </a:ln>
+        </p:spPr>
+        <p:style>
+          <a:lnRef idx="0">
+            <a:scrgbClr r="0" g="0" b="0"/>
+          </a:lnRef>
+          <a:fillRef idx="0">
+            <a:scrgbClr r="0" g="0" b="0"/>
+          </a:fillRef>
+          <a:effectRef idx="0">
+            <a:scrgbClr r="0" g="0" b="0"/>
+          </a:effectRef>
+          <a:fontRef idx="minor">
+            <a:schemeClr val="tx1"/>
+          </a:fontRef>
+        </p:style>
+      </p:cxnSp>
+      <p:cxnSp>
+        <p:nvCxnSpPr>
+          <p:cNvPr id="36" name="Straight Connector 35">
+            <a:extLst>
+              <a:ext uri="{FF2B5EF4-FFF2-40B4-BE49-F238E27FC236}">
+                <a16:creationId xmlns:a16="http://schemas.microsoft.com/office/drawing/2014/main" id="{7F1FD5EB-6C1E-4050-B438-622AC1B1499C}"/>
+              </a:ext>
+            </a:extLst>
+          </p:cNvPr>
+          <p:cNvCxnSpPr>
+            <a:cxnSpLocks/>
+          </p:cNvCxnSpPr>
+          <p:nvPr/>
+        </p:nvCxnSpPr>
+        <p:spPr>
+          <a:xfrm>
+            <a:off x="6374651" y="5750998"/>
+            <a:ext cx="699296" cy="0"/>
+          </a:xfrm>
+          <a:prstGeom prst="line">
+            <a:avLst/>
+          </a:prstGeom>
+          <a:ln w="6350" cap="flat" cmpd="sng" algn="ctr">
+            <a:solidFill>
+              <a:schemeClr val="dk1"/>
+            </a:solidFill>
+            <a:prstDash val="dash"/>
+            <a:round/>
+            <a:headEnd type="none" w="med" len="med"/>
+            <a:tailEnd type="none" w="med" len="med"/>
+          </a:ln>
+        </p:spPr>
+        <p:style>
+          <a:lnRef idx="0">
+            <a:scrgbClr r="0" g="0" b="0"/>
+          </a:lnRef>
+          <a:fillRef idx="0">
+            <a:scrgbClr r="0" g="0" b="0"/>
+          </a:fillRef>
+          <a:effectRef idx="0">
+            <a:scrgbClr r="0" g="0" b="0"/>
+          </a:effectRef>
+          <a:fontRef idx="minor">
+            <a:schemeClr val="tx1"/>
+          </a:fontRef>
+        </p:style>
+      </p:cxnSp>
+      <p:cxnSp>
+        <p:nvCxnSpPr>
+          <p:cNvPr id="39" name="Straight Connector 38">
+            <a:extLst>
+              <a:ext uri="{FF2B5EF4-FFF2-40B4-BE49-F238E27FC236}">
+                <a16:creationId xmlns:a16="http://schemas.microsoft.com/office/drawing/2014/main" id="{ACBD9355-D2D2-49CD-A60C-C69AD4433D12}"/>
+              </a:ext>
+            </a:extLst>
+          </p:cNvPr>
+          <p:cNvCxnSpPr>
+            <a:cxnSpLocks/>
+          </p:cNvCxnSpPr>
+          <p:nvPr/>
+        </p:nvCxnSpPr>
+        <p:spPr>
+          <a:xfrm>
+            <a:off x="6347630" y="3215151"/>
+            <a:ext cx="699296" cy="0"/>
+          </a:xfrm>
+          <a:prstGeom prst="line">
+            <a:avLst/>
+          </a:prstGeom>
+          <a:ln w="6350" cap="flat" cmpd="sng" algn="ctr">
+            <a:solidFill>
+              <a:schemeClr val="dk1"/>
+            </a:solidFill>
+            <a:prstDash val="dash"/>
+            <a:round/>
+            <a:headEnd type="none" w="med" len="med"/>
+            <a:tailEnd type="none" w="med" len="med"/>
+          </a:ln>
+        </p:spPr>
+        <p:style>
+          <a:lnRef idx="0">
+            <a:scrgbClr r="0" g="0" b="0"/>
+          </a:lnRef>
+          <a:fillRef idx="0">
+            <a:scrgbClr r="0" g="0" b="0"/>
+          </a:fillRef>
+          <a:effectRef idx="0">
+            <a:scrgbClr r="0" g="0" b="0"/>
+          </a:effectRef>
+          <a:fontRef idx="minor">
+            <a:schemeClr val="tx1"/>
+          </a:fontRef>
+        </p:style>
+      </p:cxnSp>
     </p:spTree>
     <p:extLst>
       <p:ext uri="{BB962C8B-B14F-4D97-AF65-F5344CB8AC3E}">

--- a/figures/speed_triangles_1.pptx
+++ b/figures/speed_triangles_1.pptx
@@ -259,7 +259,7 @@
           <a:p>
             <a:fld id="{A6E2C317-66DB-4326-8236-4682C01F4A41}" type="datetimeFigureOut">
               <a:rPr lang="en-US" smtClean="0"/>
-              <a:t>3/17/2019</a:t>
+              <a:t>25-Mar-19</a:t>
             </a:fld>
             <a:endParaRPr lang="en-US"/>
           </a:p>
@@ -457,7 +457,7 @@
           <a:p>
             <a:fld id="{A6E2C317-66DB-4326-8236-4682C01F4A41}" type="datetimeFigureOut">
               <a:rPr lang="en-US" smtClean="0"/>
-              <a:t>3/17/2019</a:t>
+              <a:t>25-Mar-19</a:t>
             </a:fld>
             <a:endParaRPr lang="en-US"/>
           </a:p>
@@ -665,7 +665,7 @@
           <a:p>
             <a:fld id="{A6E2C317-66DB-4326-8236-4682C01F4A41}" type="datetimeFigureOut">
               <a:rPr lang="en-US" smtClean="0"/>
-              <a:t>3/17/2019</a:t>
+              <a:t>25-Mar-19</a:t>
             </a:fld>
             <a:endParaRPr lang="en-US"/>
           </a:p>
@@ -863,7 +863,7 @@
           <a:p>
             <a:fld id="{A6E2C317-66DB-4326-8236-4682C01F4A41}" type="datetimeFigureOut">
               <a:rPr lang="en-US" smtClean="0"/>
-              <a:t>3/17/2019</a:t>
+              <a:t>25-Mar-19</a:t>
             </a:fld>
             <a:endParaRPr lang="en-US"/>
           </a:p>
@@ -1138,7 +1138,7 @@
           <a:p>
             <a:fld id="{A6E2C317-66DB-4326-8236-4682C01F4A41}" type="datetimeFigureOut">
               <a:rPr lang="en-US" smtClean="0"/>
-              <a:t>3/17/2019</a:t>
+              <a:t>25-Mar-19</a:t>
             </a:fld>
             <a:endParaRPr lang="en-US"/>
           </a:p>
@@ -1403,7 +1403,7 @@
           <a:p>
             <a:fld id="{A6E2C317-66DB-4326-8236-4682C01F4A41}" type="datetimeFigureOut">
               <a:rPr lang="en-US" smtClean="0"/>
-              <a:t>3/17/2019</a:t>
+              <a:t>25-Mar-19</a:t>
             </a:fld>
             <a:endParaRPr lang="en-US"/>
           </a:p>
@@ -1815,7 +1815,7 @@
           <a:p>
             <a:fld id="{A6E2C317-66DB-4326-8236-4682C01F4A41}" type="datetimeFigureOut">
               <a:rPr lang="en-US" smtClean="0"/>
-              <a:t>3/17/2019</a:t>
+              <a:t>25-Mar-19</a:t>
             </a:fld>
             <a:endParaRPr lang="en-US"/>
           </a:p>
@@ -1956,7 +1956,7 @@
           <a:p>
             <a:fld id="{A6E2C317-66DB-4326-8236-4682C01F4A41}" type="datetimeFigureOut">
               <a:rPr lang="en-US" smtClean="0"/>
-              <a:t>3/17/2019</a:t>
+              <a:t>25-Mar-19</a:t>
             </a:fld>
             <a:endParaRPr lang="en-US"/>
           </a:p>
@@ -2069,7 +2069,7 @@
           <a:p>
             <a:fld id="{A6E2C317-66DB-4326-8236-4682C01F4A41}" type="datetimeFigureOut">
               <a:rPr lang="en-US" smtClean="0"/>
-              <a:t>3/17/2019</a:t>
+              <a:t>25-Mar-19</a:t>
             </a:fld>
             <a:endParaRPr lang="en-US"/>
           </a:p>
@@ -2380,7 +2380,7 @@
           <a:p>
             <a:fld id="{A6E2C317-66DB-4326-8236-4682C01F4A41}" type="datetimeFigureOut">
               <a:rPr lang="en-US" smtClean="0"/>
-              <a:t>3/17/2019</a:t>
+              <a:t>25-Mar-19</a:t>
             </a:fld>
             <a:endParaRPr lang="en-US"/>
           </a:p>
@@ -2668,7 +2668,7 @@
           <a:p>
             <a:fld id="{A6E2C317-66DB-4326-8236-4682C01F4A41}" type="datetimeFigureOut">
               <a:rPr lang="en-US" smtClean="0"/>
-              <a:t>3/17/2019</a:t>
+              <a:t>25-Mar-19</a:t>
             </a:fld>
             <a:endParaRPr lang="en-US"/>
           </a:p>
@@ -2909,7 +2909,7 @@
           <a:p>
             <a:fld id="{A6E2C317-66DB-4326-8236-4682C01F4A41}" type="datetimeFigureOut">
               <a:rPr lang="en-US" smtClean="0"/>
-              <a:t>3/17/2019</a:t>
+              <a:t>25-Mar-19</a:t>
             </a:fld>
             <a:endParaRPr lang="en-US"/>
           </a:p>
@@ -3328,10 +3328,10 @@
       </p:grpSpPr>
       <p:cxnSp>
         <p:nvCxnSpPr>
-          <p:cNvPr id="5" name="Straight Arrow Connector 4">
-            <a:extLst>
-              <a:ext uri="{FF2B5EF4-FFF2-40B4-BE49-F238E27FC236}">
-                <a16:creationId xmlns:a16="http://schemas.microsoft.com/office/drawing/2014/main" id="{DE679A7A-35CE-4351-B0F4-D53B39EC9F4E}"/>
+          <p:cNvPr id="11" name="Straight Arrow Connector 10">
+            <a:extLst>
+              <a:ext uri="{FF2B5EF4-FFF2-40B4-BE49-F238E27FC236}">
+                <a16:creationId xmlns:a16="http://schemas.microsoft.com/office/drawing/2014/main" id="{1301FCC1-7356-425E-8391-7FC953AD9D57}"/>
               </a:ext>
             </a:extLst>
           </p:cNvPr>
@@ -3342,57 +3342,13 @@
         </p:nvCxnSpPr>
         <p:spPr>
           <a:xfrm>
-            <a:off x="1358537" y="3454277"/>
-            <a:ext cx="1080000" cy="0"/>
+            <a:off x="6986533" y="1480126"/>
+            <a:ext cx="0" cy="4644000"/>
           </a:xfrm>
           <a:prstGeom prst="straightConnector1">
             <a:avLst/>
           </a:prstGeom>
-          <a:ln>
-            <a:solidFill>
-              <a:srgbClr val="7030A0"/>
-            </a:solidFill>
-            <a:tailEnd type="triangle"/>
-          </a:ln>
-        </p:spPr>
-        <p:style>
-          <a:lnRef idx="1">
-            <a:schemeClr val="accent1"/>
-          </a:lnRef>
-          <a:fillRef idx="0">
-            <a:schemeClr val="accent1"/>
-          </a:fillRef>
-          <a:effectRef idx="0">
-            <a:schemeClr val="accent1"/>
-          </a:effectRef>
-          <a:fontRef idx="minor">
-            <a:schemeClr val="tx1"/>
-          </a:fontRef>
-        </p:style>
-      </p:cxnSp>
-      <p:cxnSp>
-        <p:nvCxnSpPr>
-          <p:cNvPr id="11" name="Straight Arrow Connector 10">
-            <a:extLst>
-              <a:ext uri="{FF2B5EF4-FFF2-40B4-BE49-F238E27FC236}">
-                <a16:creationId xmlns:a16="http://schemas.microsoft.com/office/drawing/2014/main" id="{1301FCC1-7356-425E-8391-7FC953AD9D57}"/>
-              </a:ext>
-            </a:extLst>
-          </p:cNvPr>
-          <p:cNvCxnSpPr>
-            <a:cxnSpLocks/>
-          </p:cNvCxnSpPr>
-          <p:nvPr/>
-        </p:nvCxnSpPr>
-        <p:spPr>
-          <a:xfrm>
-            <a:off x="6522192" y="3428999"/>
-            <a:ext cx="0" cy="2322000"/>
-          </a:xfrm>
-          <a:prstGeom prst="straightConnector1">
-            <a:avLst/>
-          </a:prstGeom>
-          <a:ln>
+          <a:ln w="28575">
             <a:solidFill>
               <a:schemeClr val="accent3">
                 <a:lumMod val="75000"/>
@@ -3432,13 +3388,13 @@
         </p:nvCxnSpPr>
         <p:spPr>
           <a:xfrm>
-            <a:off x="6926405" y="3216598"/>
-            <a:ext cx="0" cy="2534400"/>
+            <a:off x="7388223" y="1055326"/>
+            <a:ext cx="0" cy="5068800"/>
           </a:xfrm>
           <a:prstGeom prst="straightConnector1">
             <a:avLst/>
           </a:prstGeom>
-          <a:ln>
+          <a:ln w="28575">
             <a:solidFill>
               <a:srgbClr val="92D050"/>
             </a:solidFill>
@@ -3476,13 +3432,13 @@
         </p:nvCxnSpPr>
         <p:spPr>
           <a:xfrm>
-            <a:off x="5448989" y="3428999"/>
-            <a:ext cx="1080000" cy="0"/>
+            <a:off x="4826533" y="1480126"/>
+            <a:ext cx="2160000" cy="0"/>
           </a:xfrm>
           <a:prstGeom prst="straightConnector1">
             <a:avLst/>
           </a:prstGeom>
-          <a:ln>
+          <a:ln w="28575">
             <a:solidFill>
               <a:srgbClr val="7030A0"/>
             </a:solidFill>
@@ -3520,13 +3476,13 @@
         </p:nvCxnSpPr>
         <p:spPr>
           <a:xfrm flipV="1">
-            <a:off x="5448989" y="3216598"/>
-            <a:ext cx="1073203" cy="212400"/>
+            <a:off x="4826533" y="1053989"/>
+            <a:ext cx="2164814" cy="427922"/>
           </a:xfrm>
           <a:prstGeom prst="straightConnector1">
             <a:avLst/>
           </a:prstGeom>
-          <a:ln>
+          <a:ln w="28575">
             <a:solidFill>
               <a:srgbClr val="00B0F0"/>
             </a:solidFill>
@@ -3564,13 +3520,13 @@
         </p:nvCxnSpPr>
         <p:spPr>
           <a:xfrm>
-            <a:off x="5448988" y="3428998"/>
-            <a:ext cx="1080000" cy="2322000"/>
+            <a:off x="4826533" y="1481017"/>
+            <a:ext cx="2159999" cy="4643109"/>
           </a:xfrm>
           <a:prstGeom prst="straightConnector1">
             <a:avLst/>
           </a:prstGeom>
-          <a:ln>
+          <a:ln w="28575">
             <a:solidFill>
               <a:schemeClr val="tx1"/>
             </a:solidFill>
@@ -3594,10 +3550,10 @@
       </p:cxnSp>
       <p:cxnSp>
         <p:nvCxnSpPr>
-          <p:cNvPr id="21" name="Straight Arrow Connector 20">
-            <a:extLst>
-              <a:ext uri="{FF2B5EF4-FFF2-40B4-BE49-F238E27FC236}">
-                <a16:creationId xmlns:a16="http://schemas.microsoft.com/office/drawing/2014/main" id="{56FE6565-9F38-4F4A-B4A1-220CE60C10A4}"/>
+          <p:cNvPr id="6" name="Straight Connector 5">
+            <a:extLst>
+              <a:ext uri="{FF2B5EF4-FFF2-40B4-BE49-F238E27FC236}">
+                <a16:creationId xmlns:a16="http://schemas.microsoft.com/office/drawing/2014/main" id="{D0D3BE4A-3399-41B8-9121-1AA0D8D9520A}"/>
               </a:ext>
             </a:extLst>
           </p:cNvPr>
@@ -3608,187 +3564,8 @@
         </p:nvCxnSpPr>
         <p:spPr>
           <a:xfrm>
-            <a:off x="10125336" y="3429000"/>
-            <a:ext cx="1080000" cy="0"/>
-          </a:xfrm>
-          <a:prstGeom prst="straightConnector1">
-            <a:avLst/>
-          </a:prstGeom>
-          <a:ln>
-            <a:solidFill>
-              <a:srgbClr val="7030A0"/>
-            </a:solidFill>
-            <a:tailEnd type="triangle"/>
-          </a:ln>
-        </p:spPr>
-        <p:style>
-          <a:lnRef idx="1">
-            <a:schemeClr val="accent1"/>
-          </a:lnRef>
-          <a:fillRef idx="0">
-            <a:schemeClr val="accent1"/>
-          </a:fillRef>
-          <a:effectRef idx="0">
-            <a:schemeClr val="accent1"/>
-          </a:effectRef>
-          <a:fontRef idx="minor">
-            <a:schemeClr val="tx1"/>
-          </a:fontRef>
-        </p:style>
-      </p:cxnSp>
-      <p:cxnSp>
-        <p:nvCxnSpPr>
-          <p:cNvPr id="23" name="Straight Arrow Connector 22">
-            <a:extLst>
-              <a:ext uri="{FF2B5EF4-FFF2-40B4-BE49-F238E27FC236}">
-                <a16:creationId xmlns:a16="http://schemas.microsoft.com/office/drawing/2014/main" id="{BAFC3357-0278-407E-B315-AA9129549F98}"/>
-              </a:ext>
-            </a:extLst>
-          </p:cNvPr>
-          <p:cNvCxnSpPr>
-            <a:cxnSpLocks/>
-          </p:cNvCxnSpPr>
-          <p:nvPr/>
-        </p:nvCxnSpPr>
-        <p:spPr>
-          <a:xfrm>
-            <a:off x="11205336" y="894600"/>
-            <a:ext cx="0" cy="2534400"/>
-          </a:xfrm>
-          <a:prstGeom prst="straightConnector1">
-            <a:avLst/>
-          </a:prstGeom>
-          <a:ln>
-            <a:solidFill>
-              <a:srgbClr val="92D050"/>
-            </a:solidFill>
-            <a:tailEnd type="triangle"/>
-          </a:ln>
-        </p:spPr>
-        <p:style>
-          <a:lnRef idx="1">
-            <a:schemeClr val="accent1"/>
-          </a:lnRef>
-          <a:fillRef idx="0">
-            <a:schemeClr val="accent1"/>
-          </a:fillRef>
-          <a:effectRef idx="0">
-            <a:schemeClr val="accent1"/>
-          </a:effectRef>
-          <a:fontRef idx="minor">
-            <a:schemeClr val="tx1"/>
-          </a:fontRef>
-        </p:style>
-      </p:cxnSp>
-      <p:cxnSp>
-        <p:nvCxnSpPr>
-          <p:cNvPr id="4" name="Straight Arrow Connector 3">
-            <a:extLst>
-              <a:ext uri="{FF2B5EF4-FFF2-40B4-BE49-F238E27FC236}">
-                <a16:creationId xmlns:a16="http://schemas.microsoft.com/office/drawing/2014/main" id="{77CD85ED-D048-4DC3-A96D-C6CA8692074A}"/>
-              </a:ext>
-            </a:extLst>
-          </p:cNvPr>
-          <p:cNvCxnSpPr>
-            <a:cxnSpLocks/>
-          </p:cNvCxnSpPr>
-          <p:nvPr/>
-        </p:nvCxnSpPr>
-        <p:spPr>
-          <a:xfrm flipV="1">
-            <a:off x="10125336" y="894601"/>
-            <a:ext cx="1079999" cy="2534398"/>
-          </a:xfrm>
-          <a:prstGeom prst="straightConnector1">
-            <a:avLst/>
-          </a:prstGeom>
-          <a:ln>
-            <a:solidFill>
-              <a:srgbClr val="00B0F0"/>
-            </a:solidFill>
-            <a:tailEnd type="triangle"/>
-          </a:ln>
-        </p:spPr>
-        <p:style>
-          <a:lnRef idx="1">
-            <a:schemeClr val="accent1"/>
-          </a:lnRef>
-          <a:fillRef idx="0">
-            <a:schemeClr val="accent1"/>
-          </a:fillRef>
-          <a:effectRef idx="0">
-            <a:schemeClr val="accent1"/>
-          </a:effectRef>
-          <a:fontRef idx="minor">
-            <a:schemeClr val="tx1"/>
-          </a:fontRef>
-        </p:style>
-      </p:cxnSp>
-      <p:cxnSp>
-        <p:nvCxnSpPr>
-          <p:cNvPr id="6" name="Straight Connector 5">
-            <a:extLst>
-              <a:ext uri="{FF2B5EF4-FFF2-40B4-BE49-F238E27FC236}">
-                <a16:creationId xmlns:a16="http://schemas.microsoft.com/office/drawing/2014/main" id="{D0D3BE4A-3399-41B8-9121-1AA0D8D9520A}"/>
-              </a:ext>
-            </a:extLst>
-          </p:cNvPr>
-          <p:cNvCxnSpPr>
-            <a:cxnSpLocks/>
-          </p:cNvCxnSpPr>
-          <p:nvPr/>
-        </p:nvCxnSpPr>
-        <p:spPr>
-          <a:xfrm>
-            <a:off x="5448988" y="2916680"/>
-            <a:ext cx="0" cy="2935480"/>
-          </a:xfrm>
-          <a:prstGeom prst="line">
-            <a:avLst/>
-          </a:prstGeom>
-          <a:ln w="6350" cap="flat" cmpd="sng" algn="ctr">
-            <a:solidFill>
-              <a:schemeClr val="dk1"/>
-            </a:solidFill>
-            <a:prstDash val="dash"/>
-            <a:round/>
-            <a:headEnd type="none" w="med" len="med"/>
-            <a:tailEnd type="none" w="med" len="med"/>
-          </a:ln>
-        </p:spPr>
-        <p:style>
-          <a:lnRef idx="0">
-            <a:scrgbClr r="0" g="0" b="0"/>
-          </a:lnRef>
-          <a:fillRef idx="0">
-            <a:scrgbClr r="0" g="0" b="0"/>
-          </a:fillRef>
-          <a:effectRef idx="0">
-            <a:scrgbClr r="0" g="0" b="0"/>
-          </a:effectRef>
-          <a:fontRef idx="minor">
-            <a:schemeClr val="tx1"/>
-          </a:fontRef>
-        </p:style>
-      </p:cxnSp>
-      <p:cxnSp>
-        <p:nvCxnSpPr>
-          <p:cNvPr id="26" name="Straight Connector 25">
-            <a:extLst>
-              <a:ext uri="{FF2B5EF4-FFF2-40B4-BE49-F238E27FC236}">
-                <a16:creationId xmlns:a16="http://schemas.microsoft.com/office/drawing/2014/main" id="{CB781BE3-1B00-4B27-B44D-339799F6255A}"/>
-              </a:ext>
-            </a:extLst>
-          </p:cNvPr>
-          <p:cNvCxnSpPr>
-            <a:cxnSpLocks/>
-          </p:cNvCxnSpPr>
-          <p:nvPr/>
-        </p:nvCxnSpPr>
-        <p:spPr>
-          <a:xfrm>
-            <a:off x="10125336" y="792480"/>
-            <a:ext cx="0" cy="2844127"/>
+            <a:off x="4826533" y="733873"/>
+            <a:ext cx="0" cy="5756574"/>
           </a:xfrm>
           <a:prstGeom prst="line">
             <a:avLst/>
@@ -3834,8 +3611,8 @@
         </p:nvCxnSpPr>
         <p:spPr>
           <a:xfrm>
-            <a:off x="6522192" y="2916680"/>
-            <a:ext cx="0" cy="2935480"/>
+            <a:off x="7388223" y="772324"/>
+            <a:ext cx="0" cy="5679671"/>
           </a:xfrm>
           <a:prstGeom prst="line">
             <a:avLst/>
@@ -3881,7 +3658,7 @@
         </p:nvCxnSpPr>
         <p:spPr>
           <a:xfrm>
-            <a:off x="6374651" y="5750998"/>
+            <a:off x="6832051" y="6124126"/>
             <a:ext cx="699296" cy="0"/>
           </a:xfrm>
           <a:prstGeom prst="line">
@@ -3928,8 +3705,325 @@
         </p:nvCxnSpPr>
         <p:spPr>
           <a:xfrm>
-            <a:off x="6347630" y="3215151"/>
+            <a:off x="6832051" y="1055326"/>
             <a:ext cx="699296" cy="0"/>
+          </a:xfrm>
+          <a:prstGeom prst="line">
+            <a:avLst/>
+          </a:prstGeom>
+          <a:ln w="6350" cap="flat" cmpd="sng" algn="ctr">
+            <a:solidFill>
+              <a:schemeClr val="dk1"/>
+            </a:solidFill>
+            <a:prstDash val="dash"/>
+            <a:round/>
+            <a:headEnd type="none" w="med" len="med"/>
+            <a:tailEnd type="none" w="med" len="med"/>
+          </a:ln>
+        </p:spPr>
+        <p:style>
+          <a:lnRef idx="0">
+            <a:scrgbClr r="0" g="0" b="0"/>
+          </a:lnRef>
+          <a:fillRef idx="0">
+            <a:scrgbClr r="0" g="0" b="0"/>
+          </a:fillRef>
+          <a:effectRef idx="0">
+            <a:scrgbClr r="0" g="0" b="0"/>
+          </a:effectRef>
+          <a:fontRef idx="minor">
+            <a:schemeClr val="tx1"/>
+          </a:fontRef>
+        </p:style>
+      </p:cxnSp>
+      <p:cxnSp>
+        <p:nvCxnSpPr>
+          <p:cNvPr id="27" name="Straight Arrow Connector 26">
+            <a:extLst>
+              <a:ext uri="{FF2B5EF4-FFF2-40B4-BE49-F238E27FC236}">
+                <a16:creationId xmlns:a16="http://schemas.microsoft.com/office/drawing/2014/main" id="{AD01AEA2-BCF8-43C2-8B40-B8EE4B5AE45B}"/>
+              </a:ext>
+            </a:extLst>
+          </p:cNvPr>
+          <p:cNvCxnSpPr>
+            <a:cxnSpLocks/>
+          </p:cNvCxnSpPr>
+          <p:nvPr/>
+        </p:nvCxnSpPr>
+        <p:spPr>
+          <a:xfrm>
+            <a:off x="729663" y="3048949"/>
+            <a:ext cx="2160000" cy="0"/>
+          </a:xfrm>
+          <a:prstGeom prst="straightConnector1">
+            <a:avLst/>
+          </a:prstGeom>
+          <a:ln w="28575">
+            <a:solidFill>
+              <a:srgbClr val="7030A0"/>
+            </a:solidFill>
+            <a:tailEnd type="triangle"/>
+          </a:ln>
+        </p:spPr>
+        <p:style>
+          <a:lnRef idx="1">
+            <a:schemeClr val="accent1"/>
+          </a:lnRef>
+          <a:fillRef idx="0">
+            <a:schemeClr val="accent1"/>
+          </a:fillRef>
+          <a:effectRef idx="0">
+            <a:schemeClr val="accent1"/>
+          </a:effectRef>
+          <a:fontRef idx="minor">
+            <a:schemeClr val="tx1"/>
+          </a:fontRef>
+        </p:style>
+      </p:cxnSp>
+      <p:cxnSp>
+        <p:nvCxnSpPr>
+          <p:cNvPr id="28" name="Straight Arrow Connector 27">
+            <a:extLst>
+              <a:ext uri="{FF2B5EF4-FFF2-40B4-BE49-F238E27FC236}">
+                <a16:creationId xmlns:a16="http://schemas.microsoft.com/office/drawing/2014/main" id="{B7F42122-1271-4672-A9C7-2232656C4AE3}"/>
+              </a:ext>
+            </a:extLst>
+          </p:cNvPr>
+          <p:cNvCxnSpPr>
+            <a:cxnSpLocks/>
+          </p:cNvCxnSpPr>
+          <p:nvPr/>
+        </p:nvCxnSpPr>
+        <p:spPr>
+          <a:xfrm>
+            <a:off x="8915745" y="5901099"/>
+            <a:ext cx="2160000" cy="0"/>
+          </a:xfrm>
+          <a:prstGeom prst="straightConnector1">
+            <a:avLst/>
+          </a:prstGeom>
+          <a:ln w="28575">
+            <a:solidFill>
+              <a:srgbClr val="7030A0"/>
+            </a:solidFill>
+            <a:tailEnd type="triangle"/>
+          </a:ln>
+        </p:spPr>
+        <p:style>
+          <a:lnRef idx="1">
+            <a:schemeClr val="accent1"/>
+          </a:lnRef>
+          <a:fillRef idx="0">
+            <a:schemeClr val="accent1"/>
+          </a:fillRef>
+          <a:effectRef idx="0">
+            <a:schemeClr val="accent1"/>
+          </a:effectRef>
+          <a:fontRef idx="minor">
+            <a:schemeClr val="tx1"/>
+          </a:fontRef>
+        </p:style>
+      </p:cxnSp>
+      <p:cxnSp>
+        <p:nvCxnSpPr>
+          <p:cNvPr id="29" name="Straight Arrow Connector 28">
+            <a:extLst>
+              <a:ext uri="{FF2B5EF4-FFF2-40B4-BE49-F238E27FC236}">
+                <a16:creationId xmlns:a16="http://schemas.microsoft.com/office/drawing/2014/main" id="{BB4D9ED7-43C2-446E-9FE5-03C93690FD1F}"/>
+              </a:ext>
+            </a:extLst>
+          </p:cNvPr>
+          <p:cNvCxnSpPr>
+            <a:cxnSpLocks/>
+          </p:cNvCxnSpPr>
+          <p:nvPr/>
+        </p:nvCxnSpPr>
+        <p:spPr>
+          <a:xfrm>
+            <a:off x="11075745" y="832299"/>
+            <a:ext cx="0" cy="5068800"/>
+          </a:xfrm>
+          <a:prstGeom prst="straightConnector1">
+            <a:avLst/>
+          </a:prstGeom>
+          <a:ln w="28575">
+            <a:solidFill>
+              <a:srgbClr val="92D050"/>
+            </a:solidFill>
+            <a:tailEnd type="triangle"/>
+          </a:ln>
+        </p:spPr>
+        <p:style>
+          <a:lnRef idx="1">
+            <a:schemeClr val="accent1"/>
+          </a:lnRef>
+          <a:fillRef idx="0">
+            <a:schemeClr val="accent1"/>
+          </a:fillRef>
+          <a:effectRef idx="0">
+            <a:schemeClr val="accent1"/>
+          </a:effectRef>
+          <a:fontRef idx="minor">
+            <a:schemeClr val="tx1"/>
+          </a:fontRef>
+        </p:style>
+      </p:cxnSp>
+      <p:cxnSp>
+        <p:nvCxnSpPr>
+          <p:cNvPr id="30" name="Straight Arrow Connector 29">
+            <a:extLst>
+              <a:ext uri="{FF2B5EF4-FFF2-40B4-BE49-F238E27FC236}">
+                <a16:creationId xmlns:a16="http://schemas.microsoft.com/office/drawing/2014/main" id="{87EFD842-B6FC-4A40-999D-029BAC3D1E84}"/>
+              </a:ext>
+            </a:extLst>
+          </p:cNvPr>
+          <p:cNvCxnSpPr>
+            <a:cxnSpLocks/>
+          </p:cNvCxnSpPr>
+          <p:nvPr/>
+        </p:nvCxnSpPr>
+        <p:spPr>
+          <a:xfrm flipV="1">
+            <a:off x="8915745" y="840028"/>
+            <a:ext cx="2163372" cy="5061070"/>
+          </a:xfrm>
+          <a:prstGeom prst="straightConnector1">
+            <a:avLst/>
+          </a:prstGeom>
+          <a:ln w="28575">
+            <a:solidFill>
+              <a:srgbClr val="00B0F0"/>
+            </a:solidFill>
+            <a:tailEnd type="triangle"/>
+          </a:ln>
+        </p:spPr>
+        <p:style>
+          <a:lnRef idx="1">
+            <a:schemeClr val="accent1"/>
+          </a:lnRef>
+          <a:fillRef idx="0">
+            <a:schemeClr val="accent1"/>
+          </a:fillRef>
+          <a:effectRef idx="0">
+            <a:schemeClr val="accent1"/>
+          </a:effectRef>
+          <a:fontRef idx="minor">
+            <a:schemeClr val="tx1"/>
+          </a:fontRef>
+        </p:style>
+      </p:cxnSp>
+      <p:cxnSp>
+        <p:nvCxnSpPr>
+          <p:cNvPr id="32" name="Straight Connector 31">
+            <a:extLst>
+              <a:ext uri="{FF2B5EF4-FFF2-40B4-BE49-F238E27FC236}">
+                <a16:creationId xmlns:a16="http://schemas.microsoft.com/office/drawing/2014/main" id="{C1D7FA00-FB45-4460-8620-052ABDE1076D}"/>
+              </a:ext>
+            </a:extLst>
+          </p:cNvPr>
+          <p:cNvCxnSpPr>
+            <a:cxnSpLocks/>
+          </p:cNvCxnSpPr>
+          <p:nvPr/>
+        </p:nvCxnSpPr>
+        <p:spPr>
+          <a:xfrm>
+            <a:off x="8915745" y="564959"/>
+            <a:ext cx="0" cy="5728081"/>
+          </a:xfrm>
+          <a:prstGeom prst="line">
+            <a:avLst/>
+          </a:prstGeom>
+          <a:ln w="6350" cap="flat" cmpd="sng" algn="ctr">
+            <a:solidFill>
+              <a:schemeClr val="dk1"/>
+            </a:solidFill>
+            <a:prstDash val="dash"/>
+            <a:round/>
+            <a:headEnd type="none" w="med" len="med"/>
+            <a:tailEnd type="none" w="med" len="med"/>
+          </a:ln>
+        </p:spPr>
+        <p:style>
+          <a:lnRef idx="0">
+            <a:scrgbClr r="0" g="0" b="0"/>
+          </a:lnRef>
+          <a:fillRef idx="0">
+            <a:scrgbClr r="0" g="0" b="0"/>
+          </a:fillRef>
+          <a:effectRef idx="0">
+            <a:scrgbClr r="0" g="0" b="0"/>
+          </a:effectRef>
+          <a:fontRef idx="minor">
+            <a:schemeClr val="tx1"/>
+          </a:fontRef>
+        </p:style>
+      </p:cxnSp>
+      <p:cxnSp>
+        <p:nvCxnSpPr>
+          <p:cNvPr id="33" name="Straight Connector 32">
+            <a:extLst>
+              <a:ext uri="{FF2B5EF4-FFF2-40B4-BE49-F238E27FC236}">
+                <a16:creationId xmlns:a16="http://schemas.microsoft.com/office/drawing/2014/main" id="{117CDE41-882E-4E16-9EE0-96C847293402}"/>
+              </a:ext>
+            </a:extLst>
+          </p:cNvPr>
+          <p:cNvCxnSpPr>
+            <a:cxnSpLocks/>
+          </p:cNvCxnSpPr>
+          <p:nvPr/>
+        </p:nvCxnSpPr>
+        <p:spPr>
+          <a:xfrm>
+            <a:off x="11075745" y="526863"/>
+            <a:ext cx="0" cy="5679671"/>
+          </a:xfrm>
+          <a:prstGeom prst="line">
+            <a:avLst/>
+          </a:prstGeom>
+          <a:ln w="6350" cap="flat" cmpd="sng" algn="ctr">
+            <a:solidFill>
+              <a:schemeClr val="dk1"/>
+            </a:solidFill>
+            <a:prstDash val="dash"/>
+            <a:round/>
+            <a:headEnd type="none" w="med" len="med"/>
+            <a:tailEnd type="none" w="med" len="med"/>
+          </a:ln>
+        </p:spPr>
+        <p:style>
+          <a:lnRef idx="0">
+            <a:scrgbClr r="0" g="0" b="0"/>
+          </a:lnRef>
+          <a:fillRef idx="0">
+            <a:scrgbClr r="0" g="0" b="0"/>
+          </a:fillRef>
+          <a:effectRef idx="0">
+            <a:scrgbClr r="0" g="0" b="0"/>
+          </a:effectRef>
+          <a:fontRef idx="minor">
+            <a:schemeClr val="tx1"/>
+          </a:fontRef>
+        </p:style>
+      </p:cxnSp>
+      <p:cxnSp>
+        <p:nvCxnSpPr>
+          <p:cNvPr id="40" name="Straight Connector 39">
+            <a:extLst>
+              <a:ext uri="{FF2B5EF4-FFF2-40B4-BE49-F238E27FC236}">
+                <a16:creationId xmlns:a16="http://schemas.microsoft.com/office/drawing/2014/main" id="{0BB05EAB-5F7C-4CF0-B55A-D1B90D89FA8F}"/>
+              </a:ext>
+            </a:extLst>
+          </p:cNvPr>
+          <p:cNvCxnSpPr>
+            <a:cxnSpLocks/>
+          </p:cNvCxnSpPr>
+          <p:nvPr/>
+        </p:nvCxnSpPr>
+        <p:spPr>
+          <a:xfrm>
+            <a:off x="6986532" y="772324"/>
+            <a:ext cx="0" cy="5679671"/>
           </a:xfrm>
           <a:prstGeom prst="line">
             <a:avLst/>

--- a/figures/speed_triangles_1.pptx
+++ b/figures/speed_triangles_1.pptx
@@ -259,7 +259,7 @@
           <a:p>
             <a:fld id="{A6E2C317-66DB-4326-8236-4682C01F4A41}" type="datetimeFigureOut">
               <a:rPr lang="en-US" smtClean="0"/>
-              <a:t>25-Mar-19</a:t>
+              <a:t>05-May-19</a:t>
             </a:fld>
             <a:endParaRPr lang="en-US"/>
           </a:p>
@@ -457,7 +457,7 @@
           <a:p>
             <a:fld id="{A6E2C317-66DB-4326-8236-4682C01F4A41}" type="datetimeFigureOut">
               <a:rPr lang="en-US" smtClean="0"/>
-              <a:t>25-Mar-19</a:t>
+              <a:t>05-May-19</a:t>
             </a:fld>
             <a:endParaRPr lang="en-US"/>
           </a:p>
@@ -665,7 +665,7 @@
           <a:p>
             <a:fld id="{A6E2C317-66DB-4326-8236-4682C01F4A41}" type="datetimeFigureOut">
               <a:rPr lang="en-US" smtClean="0"/>
-              <a:t>25-Mar-19</a:t>
+              <a:t>05-May-19</a:t>
             </a:fld>
             <a:endParaRPr lang="en-US"/>
           </a:p>
@@ -863,7 +863,7 @@
           <a:p>
             <a:fld id="{A6E2C317-66DB-4326-8236-4682C01F4A41}" type="datetimeFigureOut">
               <a:rPr lang="en-US" smtClean="0"/>
-              <a:t>25-Mar-19</a:t>
+              <a:t>05-May-19</a:t>
             </a:fld>
             <a:endParaRPr lang="en-US"/>
           </a:p>
@@ -1138,7 +1138,7 @@
           <a:p>
             <a:fld id="{A6E2C317-66DB-4326-8236-4682C01F4A41}" type="datetimeFigureOut">
               <a:rPr lang="en-US" smtClean="0"/>
-              <a:t>25-Mar-19</a:t>
+              <a:t>05-May-19</a:t>
             </a:fld>
             <a:endParaRPr lang="en-US"/>
           </a:p>
@@ -1403,7 +1403,7 @@
           <a:p>
             <a:fld id="{A6E2C317-66DB-4326-8236-4682C01F4A41}" type="datetimeFigureOut">
               <a:rPr lang="en-US" smtClean="0"/>
-              <a:t>25-Mar-19</a:t>
+              <a:t>05-May-19</a:t>
             </a:fld>
             <a:endParaRPr lang="en-US"/>
           </a:p>
@@ -1815,7 +1815,7 @@
           <a:p>
             <a:fld id="{A6E2C317-66DB-4326-8236-4682C01F4A41}" type="datetimeFigureOut">
               <a:rPr lang="en-US" smtClean="0"/>
-              <a:t>25-Mar-19</a:t>
+              <a:t>05-May-19</a:t>
             </a:fld>
             <a:endParaRPr lang="en-US"/>
           </a:p>
@@ -1956,7 +1956,7 @@
           <a:p>
             <a:fld id="{A6E2C317-66DB-4326-8236-4682C01F4A41}" type="datetimeFigureOut">
               <a:rPr lang="en-US" smtClean="0"/>
-              <a:t>25-Mar-19</a:t>
+              <a:t>05-May-19</a:t>
             </a:fld>
             <a:endParaRPr lang="en-US"/>
           </a:p>
@@ -2069,7 +2069,7 @@
           <a:p>
             <a:fld id="{A6E2C317-66DB-4326-8236-4682C01F4A41}" type="datetimeFigureOut">
               <a:rPr lang="en-US" smtClean="0"/>
-              <a:t>25-Mar-19</a:t>
+              <a:t>05-May-19</a:t>
             </a:fld>
             <a:endParaRPr lang="en-US"/>
           </a:p>
@@ -2380,7 +2380,7 @@
           <a:p>
             <a:fld id="{A6E2C317-66DB-4326-8236-4682C01F4A41}" type="datetimeFigureOut">
               <a:rPr lang="en-US" smtClean="0"/>
-              <a:t>25-Mar-19</a:t>
+              <a:t>05-May-19</a:t>
             </a:fld>
             <a:endParaRPr lang="en-US"/>
           </a:p>
@@ -2668,7 +2668,7 @@
           <a:p>
             <a:fld id="{A6E2C317-66DB-4326-8236-4682C01F4A41}" type="datetimeFigureOut">
               <a:rPr lang="en-US" smtClean="0"/>
-              <a:t>25-Mar-19</a:t>
+              <a:t>05-May-19</a:t>
             </a:fld>
             <a:endParaRPr lang="en-US"/>
           </a:p>
@@ -2909,7 +2909,7 @@
           <a:p>
             <a:fld id="{A6E2C317-66DB-4326-8236-4682C01F4A41}" type="datetimeFigureOut">
               <a:rPr lang="en-US" smtClean="0"/>
-              <a:t>25-Mar-19</a:t>
+              <a:t>05-May-19</a:t>
             </a:fld>
             <a:endParaRPr lang="en-US"/>
           </a:p>
@@ -3341,8 +3341,8 @@
           <p:nvPr/>
         </p:nvCxnSpPr>
         <p:spPr>
-          <a:xfrm>
-            <a:off x="6986533" y="1480126"/>
+          <a:xfrm flipV="1">
+            <a:off x="6980296" y="957247"/>
             <a:ext cx="0" cy="4644000"/>
           </a:xfrm>
           <a:prstGeom prst="straightConnector1">
@@ -3387,8 +3387,8 @@
           <p:nvPr/>
         </p:nvCxnSpPr>
         <p:spPr>
-          <a:xfrm>
-            <a:off x="7388223" y="1055326"/>
+          <a:xfrm flipV="1">
+            <a:off x="7381986" y="957247"/>
             <a:ext cx="0" cy="5068800"/>
           </a:xfrm>
           <a:prstGeom prst="straightConnector1">
@@ -3396,7 +3396,9 @@
           </a:prstGeom>
           <a:ln w="28575">
             <a:solidFill>
-              <a:srgbClr val="92D050"/>
+              <a:schemeClr val="accent2">
+                <a:lumMod val="50000"/>
+              </a:schemeClr>
             </a:solidFill>
             <a:tailEnd type="triangle"/>
           </a:ln>
@@ -3432,7 +3434,7 @@
         </p:nvCxnSpPr>
         <p:spPr>
           <a:xfrm>
-            <a:off x="4826533" y="1480126"/>
+            <a:off x="4820295" y="5601247"/>
             <a:ext cx="2160000" cy="0"/>
           </a:xfrm>
           <a:prstGeom prst="straightConnector1">
@@ -3440,7 +3442,7 @@
           </a:prstGeom>
           <a:ln w="28575">
             <a:solidFill>
-              <a:srgbClr val="7030A0"/>
+              <a:srgbClr val="002060"/>
             </a:solidFill>
             <a:tailEnd type="triangle"/>
           </a:ln>
@@ -3475,8 +3477,8 @@
           <p:nvPr/>
         </p:nvCxnSpPr>
         <p:spPr>
-          <a:xfrm flipV="1">
-            <a:off x="4826533" y="1053989"/>
+          <a:xfrm>
+            <a:off x="4816925" y="5601247"/>
             <a:ext cx="2164814" cy="427922"/>
           </a:xfrm>
           <a:prstGeom prst="straightConnector1">
@@ -3484,7 +3486,7 @@
           </a:prstGeom>
           <a:ln w="28575">
             <a:solidFill>
-              <a:srgbClr val="00B0F0"/>
+              <a:srgbClr val="00B050"/>
             </a:solidFill>
             <a:tailEnd type="triangle"/>
           </a:ln>
@@ -3519,16 +3521,16 @@
           <p:nvPr/>
         </p:nvCxnSpPr>
         <p:spPr>
-          <a:xfrm>
-            <a:off x="4826533" y="1481017"/>
-            <a:ext cx="2159999" cy="4643109"/>
+          <a:xfrm flipV="1">
+            <a:off x="4820296" y="958138"/>
+            <a:ext cx="2159999" cy="4643110"/>
           </a:xfrm>
           <a:prstGeom prst="straightConnector1">
             <a:avLst/>
           </a:prstGeom>
           <a:ln w="28575">
             <a:solidFill>
-              <a:schemeClr val="tx1"/>
+              <a:srgbClr val="002060"/>
             </a:solidFill>
             <a:tailEnd type="triangle"/>
           </a:ln>
@@ -3563,9 +3565,9 @@
           <p:nvPr/>
         </p:nvCxnSpPr>
         <p:spPr>
-          <a:xfrm>
-            <a:off x="4826533" y="733873"/>
-            <a:ext cx="0" cy="5756574"/>
+          <a:xfrm flipV="1">
+            <a:off x="4820297" y="564959"/>
+            <a:ext cx="0" cy="5641575"/>
           </a:xfrm>
           <a:prstGeom prst="line">
             <a:avLst/>
@@ -3610,9 +3612,9 @@
           <p:nvPr/>
         </p:nvCxnSpPr>
         <p:spPr>
-          <a:xfrm>
-            <a:off x="7388223" y="772324"/>
-            <a:ext cx="0" cy="5679671"/>
+          <a:xfrm flipV="1">
+            <a:off x="7381986" y="564959"/>
+            <a:ext cx="0" cy="5641576"/>
           </a:xfrm>
           <a:prstGeom prst="line">
             <a:avLst/>
@@ -3658,7 +3660,7 @@
         </p:nvCxnSpPr>
         <p:spPr>
           <a:xfrm>
-            <a:off x="6832051" y="6124126"/>
+            <a:off x="6825814" y="5601247"/>
             <a:ext cx="699296" cy="0"/>
           </a:xfrm>
           <a:prstGeom prst="line">
@@ -3705,7 +3707,7 @@
         </p:nvCxnSpPr>
         <p:spPr>
           <a:xfrm>
-            <a:off x="6832051" y="1055326"/>
+            <a:off x="6849475" y="957247"/>
             <a:ext cx="699296" cy="0"/>
           </a:xfrm>
           <a:prstGeom prst="line">
@@ -3760,7 +3762,7 @@
           </a:prstGeom>
           <a:ln w="28575">
             <a:solidFill>
-              <a:srgbClr val="7030A0"/>
+              <a:srgbClr val="002060"/>
             </a:solidFill>
             <a:tailEnd type="triangle"/>
           </a:ln>
@@ -3795,8 +3797,8 @@
           <p:nvPr/>
         </p:nvCxnSpPr>
         <p:spPr>
-          <a:xfrm>
-            <a:off x="8915745" y="5901099"/>
+          <a:xfrm flipV="1">
+            <a:off x="8915745" y="832299"/>
             <a:ext cx="2160000" cy="0"/>
           </a:xfrm>
           <a:prstGeom prst="straightConnector1">
@@ -3804,7 +3806,7 @@
           </a:prstGeom>
           <a:ln w="28575">
             <a:solidFill>
-              <a:srgbClr val="7030A0"/>
+              <a:srgbClr val="002060"/>
             </a:solidFill>
             <a:tailEnd type="triangle"/>
           </a:ln>
@@ -3839,7 +3841,7 @@
           <p:nvPr/>
         </p:nvCxnSpPr>
         <p:spPr>
-          <a:xfrm>
+          <a:xfrm flipV="1">
             <a:off x="11075745" y="832299"/>
             <a:ext cx="0" cy="5068800"/>
           </a:xfrm>
@@ -3848,7 +3850,9 @@
           </a:prstGeom>
           <a:ln w="28575">
             <a:solidFill>
-              <a:srgbClr val="92D050"/>
+              <a:schemeClr val="accent2">
+                <a:lumMod val="50000"/>
+              </a:schemeClr>
             </a:solidFill>
             <a:tailEnd type="triangle"/>
           </a:ln>
@@ -3883,7 +3887,7 @@
           <p:nvPr/>
         </p:nvCxnSpPr>
         <p:spPr>
-          <a:xfrm flipV="1">
+          <a:xfrm>
             <a:off x="8915745" y="840028"/>
             <a:ext cx="2163372" cy="5061070"/>
           </a:xfrm>
@@ -3892,7 +3896,7 @@
           </a:prstGeom>
           <a:ln w="28575">
             <a:solidFill>
-              <a:srgbClr val="00B0F0"/>
+              <a:srgbClr val="00B050"/>
             </a:solidFill>
             <a:tailEnd type="triangle"/>
           </a:ln>
@@ -3927,9 +3931,9 @@
           <p:nvPr/>
         </p:nvCxnSpPr>
         <p:spPr>
-          <a:xfrm>
-            <a:off x="8915745" y="564959"/>
-            <a:ext cx="0" cy="5728081"/>
+          <a:xfrm flipV="1">
+            <a:off x="8915745" y="564960"/>
+            <a:ext cx="0" cy="5641574"/>
           </a:xfrm>
           <a:prstGeom prst="line">
             <a:avLst/>
@@ -3974,7 +3978,7 @@
           <p:nvPr/>
         </p:nvCxnSpPr>
         <p:spPr>
-          <a:xfrm>
+          <a:xfrm flipV="1">
             <a:off x="11075745" y="526863"/>
             <a:ext cx="0" cy="5679671"/>
           </a:xfrm>
@@ -4021,9 +4025,56 @@
           <p:nvPr/>
         </p:nvCxnSpPr>
         <p:spPr>
+          <a:xfrm flipV="1">
+            <a:off x="6980295" y="564959"/>
+            <a:ext cx="0" cy="5641576"/>
+          </a:xfrm>
+          <a:prstGeom prst="line">
+            <a:avLst/>
+          </a:prstGeom>
+          <a:ln w="6350" cap="flat" cmpd="sng" algn="ctr">
+            <a:solidFill>
+              <a:schemeClr val="dk1"/>
+            </a:solidFill>
+            <a:prstDash val="dash"/>
+            <a:round/>
+            <a:headEnd type="none" w="med" len="med"/>
+            <a:tailEnd type="none" w="med" len="med"/>
+          </a:ln>
+        </p:spPr>
+        <p:style>
+          <a:lnRef idx="0">
+            <a:scrgbClr r="0" g="0" b="0"/>
+          </a:lnRef>
+          <a:fillRef idx="0">
+            <a:scrgbClr r="0" g="0" b="0"/>
+          </a:fillRef>
+          <a:effectRef idx="0">
+            <a:scrgbClr r="0" g="0" b="0"/>
+          </a:effectRef>
+          <a:fontRef idx="minor">
+            <a:schemeClr val="tx1"/>
+          </a:fontRef>
+        </p:style>
+      </p:cxnSp>
+      <p:cxnSp>
+        <p:nvCxnSpPr>
+          <p:cNvPr id="21" name="Straight Connector 20">
+            <a:extLst>
+              <a:ext uri="{FF2B5EF4-FFF2-40B4-BE49-F238E27FC236}">
+                <a16:creationId xmlns:a16="http://schemas.microsoft.com/office/drawing/2014/main" id="{FC3FEB59-6D2F-4D29-A951-F4250C8193CB}"/>
+              </a:ext>
+            </a:extLst>
+          </p:cNvPr>
+          <p:cNvCxnSpPr>
+            <a:cxnSpLocks/>
+          </p:cNvCxnSpPr>
+          <p:nvPr/>
+        </p:nvCxnSpPr>
+        <p:spPr>
           <a:xfrm>
-            <a:off x="6986532" y="772324"/>
-            <a:ext cx="0" cy="5679671"/>
+            <a:off x="6857413" y="6029169"/>
+            <a:ext cx="699296" cy="0"/>
           </a:xfrm>
           <a:prstGeom prst="line">
             <a:avLst/>
